--- a/5 - Sorting Algorithms/Radix Sort.pptx
+++ b/5 - Sorting Algorithms/Radix Sort.pptx
@@ -210,7 +210,7 @@
           <a:p>
             <a:fld id="{F666E1FD-E7A0-497B-BBC0-740BAAC97C64}" type="datetimeFigureOut">
               <a:rPr lang="en-PH" smtClean="0"/>
-              <a:t>15/09/2023</a:t>
+              <a:t>9/15/23</a:t>
             </a:fld>
             <a:endParaRPr lang="en-PH"/>
           </a:p>
@@ -1131,7 +1131,7 @@
           <a:p>
             <a:fld id="{0CCF0B81-6BD8-4C65-9459-815598C5F1F4}" type="datetimeFigureOut">
               <a:rPr lang="en-PH" smtClean="0"/>
-              <a:t>15/09/2023</a:t>
+              <a:t>9/15/23</a:t>
             </a:fld>
             <a:endParaRPr lang="en-PH"/>
           </a:p>
@@ -1331,7 +1331,7 @@
           <a:p>
             <a:fld id="{0CCF0B81-6BD8-4C65-9459-815598C5F1F4}" type="datetimeFigureOut">
               <a:rPr lang="en-PH" smtClean="0"/>
-              <a:t>15/09/2023</a:t>
+              <a:t>9/15/23</a:t>
             </a:fld>
             <a:endParaRPr lang="en-PH"/>
           </a:p>
@@ -1541,7 +1541,7 @@
           <a:p>
             <a:fld id="{0CCF0B81-6BD8-4C65-9459-815598C5F1F4}" type="datetimeFigureOut">
               <a:rPr lang="en-PH" smtClean="0"/>
-              <a:t>15/09/2023</a:t>
+              <a:t>9/15/23</a:t>
             </a:fld>
             <a:endParaRPr lang="en-PH"/>
           </a:p>
@@ -1741,7 +1741,7 @@
           <a:p>
             <a:fld id="{0CCF0B81-6BD8-4C65-9459-815598C5F1F4}" type="datetimeFigureOut">
               <a:rPr lang="en-PH" smtClean="0"/>
-              <a:t>15/09/2023</a:t>
+              <a:t>9/15/23</a:t>
             </a:fld>
             <a:endParaRPr lang="en-PH"/>
           </a:p>
@@ -2017,7 +2017,7 @@
           <a:p>
             <a:fld id="{0CCF0B81-6BD8-4C65-9459-815598C5F1F4}" type="datetimeFigureOut">
               <a:rPr lang="en-PH" smtClean="0"/>
-              <a:t>15/09/2023</a:t>
+              <a:t>9/15/23</a:t>
             </a:fld>
             <a:endParaRPr lang="en-PH"/>
           </a:p>
@@ -2285,7 +2285,7 @@
           <a:p>
             <a:fld id="{0CCF0B81-6BD8-4C65-9459-815598C5F1F4}" type="datetimeFigureOut">
               <a:rPr lang="en-PH" smtClean="0"/>
-              <a:t>15/09/2023</a:t>
+              <a:t>9/15/23</a:t>
             </a:fld>
             <a:endParaRPr lang="en-PH"/>
           </a:p>
@@ -2700,7 +2700,7 @@
           <a:p>
             <a:fld id="{0CCF0B81-6BD8-4C65-9459-815598C5F1F4}" type="datetimeFigureOut">
               <a:rPr lang="en-PH" smtClean="0"/>
-              <a:t>15/09/2023</a:t>
+              <a:t>9/15/23</a:t>
             </a:fld>
             <a:endParaRPr lang="en-PH"/>
           </a:p>
@@ -2842,7 +2842,7 @@
           <a:p>
             <a:fld id="{0CCF0B81-6BD8-4C65-9459-815598C5F1F4}" type="datetimeFigureOut">
               <a:rPr lang="en-PH" smtClean="0"/>
-              <a:t>15/09/2023</a:t>
+              <a:t>9/15/23</a:t>
             </a:fld>
             <a:endParaRPr lang="en-PH"/>
           </a:p>
@@ -2955,7 +2955,7 @@
           <a:p>
             <a:fld id="{0CCF0B81-6BD8-4C65-9459-815598C5F1F4}" type="datetimeFigureOut">
               <a:rPr lang="en-PH" smtClean="0"/>
-              <a:t>15/09/2023</a:t>
+              <a:t>9/15/23</a:t>
             </a:fld>
             <a:endParaRPr lang="en-PH"/>
           </a:p>
@@ -3268,7 +3268,7 @@
           <a:p>
             <a:fld id="{0CCF0B81-6BD8-4C65-9459-815598C5F1F4}" type="datetimeFigureOut">
               <a:rPr lang="en-PH" smtClean="0"/>
-              <a:t>15/09/2023</a:t>
+              <a:t>9/15/23</a:t>
             </a:fld>
             <a:endParaRPr lang="en-PH"/>
           </a:p>
@@ -3557,7 +3557,7 @@
           <a:p>
             <a:fld id="{0CCF0B81-6BD8-4C65-9459-815598C5F1F4}" type="datetimeFigureOut">
               <a:rPr lang="en-PH" smtClean="0"/>
-              <a:t>15/09/2023</a:t>
+              <a:t>9/15/23</a:t>
             </a:fld>
             <a:endParaRPr lang="en-PH"/>
           </a:p>
@@ -3800,7 +3800,7 @@
           <a:p>
             <a:fld id="{0CCF0B81-6BD8-4C65-9459-815598C5F1F4}" type="datetimeFigureOut">
               <a:rPr lang="en-PH" smtClean="0"/>
-              <a:t>15/09/2023</a:t>
+              <a:t>9/15/23</a:t>
             </a:fld>
             <a:endParaRPr lang="en-PH"/>
           </a:p>
@@ -6053,14 +6053,14 @@
           <p:nvPr>
             <p:extLst>
               <p:ext uri="{D42A27DB-BD31-4B8C-83A1-F6EECF244321}">
-                <p14:modId xmlns:p14="http://schemas.microsoft.com/office/powerpoint/2010/main" val="2744360362"/>
+                <p14:modId xmlns:p14="http://schemas.microsoft.com/office/powerpoint/2010/main" val="4243757711"/>
               </p:ext>
             </p:extLst>
           </p:nvPr>
         </p:nvGraphicFramePr>
         <p:xfrm>
-          <a:off x="2032000" y="3782950"/>
-          <a:ext cx="8127999" cy="548640"/>
+          <a:off x="2935111" y="3429000"/>
+          <a:ext cx="7224888" cy="548640"/>
         </p:xfrm>
         <a:graphic>
           <a:graphicData uri="http://schemas.openxmlformats.org/drawingml/2006/table">
@@ -6069,13 +6069,6 @@
                 <a:tableStyleId>{5940675A-B579-460E-94D1-54222C63F5DA}</a:tableStyleId>
               </a:tblPr>
               <a:tblGrid>
-                <a:gridCol w="903111">
-                  <a:extLst>
-                    <a:ext uri="{9D8B030D-6E8A-4147-A177-3AD203B41FA5}">
-                      <a16:colId xmlns:a16="http://schemas.microsoft.com/office/drawing/2014/main" val="1065926120"/>
-                    </a:ext>
-                  </a:extLst>
-                </a:gridCol>
                 <a:gridCol w="903111">
                   <a:extLst>
                     <a:ext uri="{9D8B030D-6E8A-4147-A177-3AD203B41FA5}">
@@ -6142,48 +6135,15 @@
                       <a:pPr algn="ctr"/>
                       <a:r>
                         <a:rPr lang="en-US" sz="3000" b="1" dirty="0"/>
-                        <a:t>List:</a:t>
-                      </a:r>
-                    </a:p>
-                  </a:txBody>
-                  <a:tcPr>
-                    <a:lnL w="12700" cmpd="sng">
-                      <a:noFill/>
-                    </a:lnL>
-                    <a:lnR w="12700" cap="flat" cmpd="sng" algn="ctr">
-                      <a:solidFill>
-                        <a:schemeClr val="tx1"/>
-                      </a:solidFill>
-                      <a:prstDash val="solid"/>
-                      <a:round/>
-                      <a:headEnd type="none" w="med" len="med"/>
-                      <a:tailEnd type="none" w="med" len="med"/>
-                    </a:lnR>
-                    <a:lnT w="12700" cmpd="sng">
-                      <a:noFill/>
-                    </a:lnT>
-                    <a:lnB w="12700" cmpd="sng">
-                      <a:noFill/>
-                    </a:lnB>
-                    <a:lnTlToBr w="12700" cmpd="sng">
-                      <a:noFill/>
-                      <a:prstDash val="solid"/>
-                    </a:lnTlToBr>
-                    <a:lnBlToTr w="12700" cmpd="sng">
-                      <a:noFill/>
-                      <a:prstDash val="solid"/>
-                    </a:lnBlToTr>
-                  </a:tcPr>
-                </a:tc>
-                <a:tc>
-                  <a:txBody>
-                    <a:bodyPr/>
-                    <a:lstStyle/>
-                    <a:p>
-                      <a:pPr algn="ctr"/>
-                      <a:r>
-                        <a:rPr lang="en-US" sz="3000" b="1" dirty="0"/>
-                        <a:t>170</a:t>
+                        <a:t>17</a:t>
+                      </a:r>
+                      <a:r>
+                        <a:rPr lang="en-US" sz="3000" b="1" u="sng" dirty="0">
+                          <a:solidFill>
+                            <a:srgbClr val="00B050"/>
+                          </a:solidFill>
+                        </a:rPr>
+                        <a:t>0</a:t>
                       </a:r>
                     </a:p>
                   </a:txBody>
@@ -6207,7 +6167,15 @@
                       <a:pPr algn="ctr"/>
                       <a:r>
                         <a:rPr lang="en-US" sz="3000" b="1" dirty="0"/>
-                        <a:t>090</a:t>
+                        <a:t>09</a:t>
+                      </a:r>
+                      <a:r>
+                        <a:rPr lang="en-US" sz="3000" b="1" u="sng" dirty="0">
+                          <a:solidFill>
+                            <a:srgbClr val="00B050"/>
+                          </a:solidFill>
+                        </a:rPr>
+                        <a:t>0</a:t>
                       </a:r>
                     </a:p>
                   </a:txBody>
@@ -6221,7 +6189,15 @@
                       <a:pPr algn="ctr"/>
                       <a:r>
                         <a:rPr lang="en-US" sz="3000" b="1" dirty="0"/>
-                        <a:t>802</a:t>
+                        <a:t>80</a:t>
+                      </a:r>
+                      <a:r>
+                        <a:rPr lang="en-US" sz="3000" b="1" u="sng" dirty="0">
+                          <a:solidFill>
+                            <a:srgbClr val="00B050"/>
+                          </a:solidFill>
+                        </a:rPr>
+                        <a:t>2</a:t>
                       </a:r>
                     </a:p>
                   </a:txBody>
@@ -6235,7 +6211,15 @@
                       <a:pPr algn="ctr"/>
                       <a:r>
                         <a:rPr lang="en-US" sz="3000" b="1" dirty="0"/>
-                        <a:t>002</a:t>
+                        <a:t>00</a:t>
+                      </a:r>
+                      <a:r>
+                        <a:rPr lang="en-US" sz="3000" b="1" u="sng" dirty="0">
+                          <a:solidFill>
+                            <a:srgbClr val="00B050"/>
+                          </a:solidFill>
+                        </a:rPr>
+                        <a:t>2</a:t>
                       </a:r>
                     </a:p>
                   </a:txBody>
@@ -6249,7 +6233,15 @@
                       <a:pPr algn="ctr"/>
                       <a:r>
                         <a:rPr lang="en-US" sz="3000" b="1" dirty="0"/>
-                        <a:t>024</a:t>
+                        <a:t>02</a:t>
+                      </a:r>
+                      <a:r>
+                        <a:rPr lang="en-US" sz="3000" b="1" u="sng" dirty="0">
+                          <a:solidFill>
+                            <a:srgbClr val="00B050"/>
+                          </a:solidFill>
+                        </a:rPr>
+                        <a:t>4</a:t>
                       </a:r>
                     </a:p>
                   </a:txBody>
@@ -6263,7 +6255,15 @@
                       <a:pPr algn="ctr"/>
                       <a:r>
                         <a:rPr lang="en-US" sz="3000" b="1" dirty="0"/>
-                        <a:t>045</a:t>
+                        <a:t>04</a:t>
+                      </a:r>
+                      <a:r>
+                        <a:rPr lang="en-US" sz="3000" b="1" u="sng" dirty="0">
+                          <a:solidFill>
+                            <a:srgbClr val="00B050"/>
+                          </a:solidFill>
+                        </a:rPr>
+                        <a:t>5</a:t>
                       </a:r>
                     </a:p>
                   </a:txBody>
@@ -6277,7 +6277,15 @@
                       <a:pPr algn="ctr"/>
                       <a:r>
                         <a:rPr lang="en-US" sz="3000" b="1" dirty="0"/>
-                        <a:t>075</a:t>
+                        <a:t>07</a:t>
+                      </a:r>
+                      <a:r>
+                        <a:rPr lang="en-US" sz="3000" b="1" u="sng" dirty="0">
+                          <a:solidFill>
+                            <a:srgbClr val="00B050"/>
+                          </a:solidFill>
+                        </a:rPr>
+                        <a:t>5</a:t>
                       </a:r>
                     </a:p>
                   </a:txBody>
@@ -6291,7 +6299,15 @@
                       <a:pPr algn="ctr"/>
                       <a:r>
                         <a:rPr lang="en-US" sz="3000" b="1" dirty="0"/>
-                        <a:t>066</a:t>
+                        <a:t>06</a:t>
+                      </a:r>
+                      <a:r>
+                        <a:rPr lang="en-US" sz="3000" b="1" u="sng" dirty="0">
+                          <a:solidFill>
+                            <a:srgbClr val="00B050"/>
+                          </a:solidFill>
+                        </a:rPr>
+                        <a:t>6</a:t>
                       </a:r>
                     </a:p>
                   </a:txBody>
@@ -6424,6 +6440,54 @@
               </a:rPr>
               <a:t>.</a:t>
             </a:r>
+          </a:p>
+        </p:txBody>
+      </p:sp>
+      <p:sp>
+        <p:nvSpPr>
+          <p:cNvPr id="4" name="TextBox 3">
+            <a:extLst>
+              <a:ext uri="{FF2B5EF4-FFF2-40B4-BE49-F238E27FC236}">
+                <a16:creationId xmlns:a16="http://schemas.microsoft.com/office/drawing/2014/main" id="{D3A0422C-EB23-57B4-A135-C796A167D68B}"/>
+              </a:ext>
+            </a:extLst>
+          </p:cNvPr>
+          <p:cNvSpPr txBox="1"/>
+          <p:nvPr/>
+        </p:nvSpPr>
+        <p:spPr>
+          <a:xfrm>
+            <a:off x="1548006" y="3423642"/>
+            <a:ext cx="1281692" cy="553998"/>
+          </a:xfrm>
+          <a:prstGeom prst="rect">
+            <a:avLst/>
+          </a:prstGeom>
+          <a:noFill/>
+        </p:spPr>
+        <p:txBody>
+          <a:bodyPr wrap="square">
+            <a:spAutoFit/>
+          </a:bodyPr>
+          <a:lstStyle/>
+          <a:p>
+            <a:pPr algn="l" fontAlgn="base"/>
+            <a:r>
+              <a:rPr lang="en-US" sz="3000" b="1" dirty="0">
+                <a:solidFill>
+                  <a:srgbClr val="273239"/>
+                </a:solidFill>
+                <a:latin typeface="Calibri Body"/>
+              </a:rPr>
+              <a:t>Result:</a:t>
+            </a:r>
+            <a:endParaRPr lang="en-US" sz="3000" b="0" dirty="0">
+              <a:solidFill>
+                <a:srgbClr val="273239"/>
+              </a:solidFill>
+              <a:effectLst/>
+              <a:latin typeface="Calibri Body"/>
+            </a:endParaRPr>
           </a:p>
         </p:txBody>
       </p:sp>
@@ -6523,14 +6587,14 @@
           <p:nvPr>
             <p:extLst>
               <p:ext uri="{D42A27DB-BD31-4B8C-83A1-F6EECF244321}">
-                <p14:modId xmlns:p14="http://schemas.microsoft.com/office/powerpoint/2010/main" val="1733451901"/>
+                <p14:modId xmlns:p14="http://schemas.microsoft.com/office/powerpoint/2010/main" val="2163186550"/>
               </p:ext>
             </p:extLst>
           </p:nvPr>
         </p:nvGraphicFramePr>
         <p:xfrm>
-          <a:off x="2032000" y="1867339"/>
-          <a:ext cx="8127999" cy="548640"/>
+          <a:off x="3724875" y="1870018"/>
+          <a:ext cx="7224888" cy="548640"/>
         </p:xfrm>
         <a:graphic>
           <a:graphicData uri="http://schemas.openxmlformats.org/drawingml/2006/table">
@@ -6539,13 +6603,6 @@
                 <a:tableStyleId>{5940675A-B579-460E-94D1-54222C63F5DA}</a:tableStyleId>
               </a:tblPr>
               <a:tblGrid>
-                <a:gridCol w="903111">
-                  <a:extLst>
-                    <a:ext uri="{9D8B030D-6E8A-4147-A177-3AD203B41FA5}">
-                      <a16:colId xmlns:a16="http://schemas.microsoft.com/office/drawing/2014/main" val="1065926120"/>
-                    </a:ext>
-                  </a:extLst>
-                </a:gridCol>
                 <a:gridCol w="903111">
                   <a:extLst>
                     <a:ext uri="{9D8B030D-6E8A-4147-A177-3AD203B41FA5}">
@@ -6612,47 +6669,6 @@
                       <a:pPr algn="ctr"/>
                       <a:r>
                         <a:rPr lang="en-US" sz="3000" b="1" dirty="0"/>
-                        <a:t>List:</a:t>
-                      </a:r>
-                    </a:p>
-                  </a:txBody>
-                  <a:tcPr>
-                    <a:lnL w="12700" cmpd="sng">
-                      <a:noFill/>
-                    </a:lnL>
-                    <a:lnR w="12700" cap="flat" cmpd="sng" algn="ctr">
-                      <a:solidFill>
-                        <a:schemeClr val="tx1"/>
-                      </a:solidFill>
-                      <a:prstDash val="solid"/>
-                      <a:round/>
-                      <a:headEnd type="none" w="med" len="med"/>
-                      <a:tailEnd type="none" w="med" len="med"/>
-                    </a:lnR>
-                    <a:lnT w="12700" cmpd="sng">
-                      <a:noFill/>
-                    </a:lnT>
-                    <a:lnB w="12700" cmpd="sng">
-                      <a:noFill/>
-                    </a:lnB>
-                    <a:lnTlToBr w="12700" cmpd="sng">
-                      <a:noFill/>
-                      <a:prstDash val="solid"/>
-                    </a:lnTlToBr>
-                    <a:lnBlToTr w="12700" cmpd="sng">
-                      <a:noFill/>
-                      <a:prstDash val="solid"/>
-                    </a:lnBlToTr>
-                  </a:tcPr>
-                </a:tc>
-                <a:tc>
-                  <a:txBody>
-                    <a:bodyPr/>
-                    <a:lstStyle/>
-                    <a:p>
-                      <a:pPr algn="ctr"/>
-                      <a:r>
-                        <a:rPr lang="en-US" sz="3000" b="1" dirty="0"/>
                         <a:t>1</a:t>
                       </a:r>
                       <a:r>
@@ -6937,14 +6953,14 @@
           <p:nvPr>
             <p:extLst>
               <p:ext uri="{D42A27DB-BD31-4B8C-83A1-F6EECF244321}">
-                <p14:modId xmlns:p14="http://schemas.microsoft.com/office/powerpoint/2010/main" val="622301975"/>
+                <p14:modId xmlns:p14="http://schemas.microsoft.com/office/powerpoint/2010/main" val="3185517635"/>
               </p:ext>
             </p:extLst>
           </p:nvPr>
         </p:nvGraphicFramePr>
         <p:xfrm>
-          <a:off x="2032000" y="3782950"/>
-          <a:ext cx="8127999" cy="548640"/>
+          <a:off x="3724875" y="3154680"/>
+          <a:ext cx="7224888" cy="548640"/>
         </p:xfrm>
         <a:graphic>
           <a:graphicData uri="http://schemas.openxmlformats.org/drawingml/2006/table">
@@ -6953,13 +6969,6 @@
                 <a:tableStyleId>{5940675A-B579-460E-94D1-54222C63F5DA}</a:tableStyleId>
               </a:tblPr>
               <a:tblGrid>
-                <a:gridCol w="903111">
-                  <a:extLst>
-                    <a:ext uri="{9D8B030D-6E8A-4147-A177-3AD203B41FA5}">
-                      <a16:colId xmlns:a16="http://schemas.microsoft.com/office/drawing/2014/main" val="1065926120"/>
-                    </a:ext>
-                  </a:extLst>
-                </a:gridCol>
                 <a:gridCol w="903111">
                   <a:extLst>
                     <a:ext uri="{9D8B030D-6E8A-4147-A177-3AD203B41FA5}">
@@ -7026,48 +7035,19 @@
                       <a:pPr algn="ctr"/>
                       <a:r>
                         <a:rPr lang="en-US" sz="3000" b="1" dirty="0"/>
-                        <a:t>List:</a:t>
-                      </a:r>
-                    </a:p>
-                  </a:txBody>
-                  <a:tcPr>
-                    <a:lnL w="12700" cmpd="sng">
-                      <a:noFill/>
-                    </a:lnL>
-                    <a:lnR w="12700" cap="flat" cmpd="sng" algn="ctr">
-                      <a:solidFill>
-                        <a:schemeClr val="tx1"/>
-                      </a:solidFill>
-                      <a:prstDash val="solid"/>
-                      <a:round/>
-                      <a:headEnd type="none" w="med" len="med"/>
-                      <a:tailEnd type="none" w="med" len="med"/>
-                    </a:lnR>
-                    <a:lnT w="12700" cmpd="sng">
-                      <a:noFill/>
-                    </a:lnT>
-                    <a:lnB w="12700" cmpd="sng">
-                      <a:noFill/>
-                    </a:lnB>
-                    <a:lnTlToBr w="12700" cmpd="sng">
-                      <a:noFill/>
-                      <a:prstDash val="solid"/>
-                    </a:lnTlToBr>
-                    <a:lnBlToTr w="12700" cmpd="sng">
-                      <a:noFill/>
-                      <a:prstDash val="solid"/>
-                    </a:lnBlToTr>
-                  </a:tcPr>
-                </a:tc>
-                <a:tc>
-                  <a:txBody>
-                    <a:bodyPr/>
-                    <a:lstStyle/>
-                    <a:p>
-                      <a:pPr algn="ctr"/>
+                        <a:t>8</a:t>
+                      </a:r>
+                      <a:r>
+                        <a:rPr lang="en-US" sz="3000" b="1" u="sng" dirty="0">
+                          <a:solidFill>
+                            <a:srgbClr val="00B050"/>
+                          </a:solidFill>
+                        </a:rPr>
+                        <a:t>0</a:t>
+                      </a:r>
                       <a:r>
                         <a:rPr lang="en-US" sz="3000" b="1" dirty="0"/>
-                        <a:t>802</a:t>
+                        <a:t>2</a:t>
                       </a:r>
                     </a:p>
                   </a:txBody>
@@ -7091,7 +7071,19 @@
                       <a:pPr algn="ctr"/>
                       <a:r>
                         <a:rPr lang="en-US" sz="3000" b="1" dirty="0"/>
-                        <a:t>002</a:t>
+                        <a:t>0</a:t>
+                      </a:r>
+                      <a:r>
+                        <a:rPr lang="en-US" sz="3000" b="1" u="sng" dirty="0">
+                          <a:solidFill>
+                            <a:srgbClr val="00B050"/>
+                          </a:solidFill>
+                        </a:rPr>
+                        <a:t>0</a:t>
+                      </a:r>
+                      <a:r>
+                        <a:rPr lang="en-US" sz="3000" b="1" dirty="0"/>
+                        <a:t>2</a:t>
                       </a:r>
                     </a:p>
                   </a:txBody>
@@ -7105,7 +7097,19 @@
                       <a:pPr algn="ctr"/>
                       <a:r>
                         <a:rPr lang="en-US" sz="3000" b="1" dirty="0"/>
-                        <a:t>024</a:t>
+                        <a:t>0</a:t>
+                      </a:r>
+                      <a:r>
+                        <a:rPr lang="en-US" sz="3000" b="1" u="sng" dirty="0">
+                          <a:solidFill>
+                            <a:srgbClr val="00B050"/>
+                          </a:solidFill>
+                        </a:rPr>
+                        <a:t>2</a:t>
+                      </a:r>
+                      <a:r>
+                        <a:rPr lang="en-US" sz="3000" b="1" dirty="0"/>
+                        <a:t>4</a:t>
                       </a:r>
                     </a:p>
                   </a:txBody>
@@ -7119,7 +7123,19 @@
                       <a:pPr algn="ctr"/>
                       <a:r>
                         <a:rPr lang="en-US" sz="3000" b="1" dirty="0"/>
-                        <a:t>045</a:t>
+                        <a:t>0</a:t>
+                      </a:r>
+                      <a:r>
+                        <a:rPr lang="en-US" sz="3000" b="1" u="sng" dirty="0">
+                          <a:solidFill>
+                            <a:srgbClr val="00B050"/>
+                          </a:solidFill>
+                        </a:rPr>
+                        <a:t>4</a:t>
+                      </a:r>
+                      <a:r>
+                        <a:rPr lang="en-US" sz="3000" b="1" dirty="0"/>
+                        <a:t>5</a:t>
                       </a:r>
                     </a:p>
                   </a:txBody>
@@ -7133,7 +7149,19 @@
                       <a:pPr algn="ctr"/>
                       <a:r>
                         <a:rPr lang="en-US" sz="3000" b="1" dirty="0"/>
-                        <a:t>066</a:t>
+                        <a:t>0</a:t>
+                      </a:r>
+                      <a:r>
+                        <a:rPr lang="en-US" sz="3000" b="1" u="sng" dirty="0">
+                          <a:solidFill>
+                            <a:srgbClr val="00B050"/>
+                          </a:solidFill>
+                        </a:rPr>
+                        <a:t>6</a:t>
+                      </a:r>
+                      <a:r>
+                        <a:rPr lang="en-US" sz="3000" b="1" dirty="0"/>
+                        <a:t>6</a:t>
                       </a:r>
                     </a:p>
                   </a:txBody>
@@ -7147,7 +7175,19 @@
                       <a:pPr algn="ctr"/>
                       <a:r>
                         <a:rPr lang="en-US" sz="3000" b="1" dirty="0"/>
-                        <a:t>170</a:t>
+                        <a:t>1</a:t>
+                      </a:r>
+                      <a:r>
+                        <a:rPr lang="en-US" sz="3000" b="1" u="sng" dirty="0">
+                          <a:solidFill>
+                            <a:srgbClr val="00B050"/>
+                          </a:solidFill>
+                        </a:rPr>
+                        <a:t>7</a:t>
+                      </a:r>
+                      <a:r>
+                        <a:rPr lang="en-US" sz="3000" b="1" dirty="0"/>
+                        <a:t>0</a:t>
                       </a:r>
                     </a:p>
                   </a:txBody>
@@ -7161,7 +7201,19 @@
                       <a:pPr algn="ctr"/>
                       <a:r>
                         <a:rPr lang="en-US" sz="3000" b="1" dirty="0"/>
-                        <a:t>075</a:t>
+                        <a:t>0</a:t>
+                      </a:r>
+                      <a:r>
+                        <a:rPr lang="en-US" sz="3000" b="1" u="sng" dirty="0">
+                          <a:solidFill>
+                            <a:srgbClr val="00B050"/>
+                          </a:solidFill>
+                        </a:rPr>
+                        <a:t>7</a:t>
+                      </a:r>
+                      <a:r>
+                        <a:rPr lang="en-US" sz="3000" b="1" dirty="0"/>
+                        <a:t>5</a:t>
                       </a:r>
                     </a:p>
                   </a:txBody>
@@ -7175,7 +7227,19 @@
                       <a:pPr algn="ctr"/>
                       <a:r>
                         <a:rPr lang="en-US" sz="3000" b="1" dirty="0"/>
-                        <a:t>090</a:t>
+                        <a:t>0</a:t>
+                      </a:r>
+                      <a:r>
+                        <a:rPr lang="en-US" sz="3000" b="1" u="sng" dirty="0">
+                          <a:solidFill>
+                            <a:srgbClr val="00B050"/>
+                          </a:solidFill>
+                        </a:rPr>
+                        <a:t>9</a:t>
+                      </a:r>
+                      <a:r>
+                        <a:rPr lang="en-US" sz="3000" b="1" dirty="0"/>
+                        <a:t>0</a:t>
                       </a:r>
                     </a:p>
                   </a:txBody>
@@ -7308,6 +7372,102 @@
               </a:rPr>
               <a:t>.</a:t>
             </a:r>
+          </a:p>
+        </p:txBody>
+      </p:sp>
+      <p:sp>
+        <p:nvSpPr>
+          <p:cNvPr id="4" name="TextBox 3">
+            <a:extLst>
+              <a:ext uri="{FF2B5EF4-FFF2-40B4-BE49-F238E27FC236}">
+                <a16:creationId xmlns:a16="http://schemas.microsoft.com/office/drawing/2014/main" id="{400BDDBA-CCE4-381A-F515-251DB8DD6F25}"/>
+              </a:ext>
+            </a:extLst>
+          </p:cNvPr>
+          <p:cNvSpPr txBox="1"/>
+          <p:nvPr/>
+        </p:nvSpPr>
+        <p:spPr>
+          <a:xfrm>
+            <a:off x="398827" y="1867339"/>
+            <a:ext cx="3234060" cy="553998"/>
+          </a:xfrm>
+          <a:prstGeom prst="rect">
+            <a:avLst/>
+          </a:prstGeom>
+          <a:noFill/>
+        </p:spPr>
+        <p:txBody>
+          <a:bodyPr wrap="square">
+            <a:spAutoFit/>
+          </a:bodyPr>
+          <a:lstStyle/>
+          <a:p>
+            <a:pPr algn="l" fontAlgn="base"/>
+            <a:r>
+              <a:rPr lang="en-US" sz="3000" b="1" dirty="0">
+                <a:solidFill>
+                  <a:srgbClr val="273239"/>
+                </a:solidFill>
+                <a:latin typeface="Calibri Body"/>
+              </a:rPr>
+              <a:t>Result from Step 1:</a:t>
+            </a:r>
+            <a:endParaRPr lang="en-US" sz="3000" b="0" dirty="0">
+              <a:solidFill>
+                <a:srgbClr val="273239"/>
+              </a:solidFill>
+              <a:effectLst/>
+              <a:latin typeface="Calibri Body"/>
+            </a:endParaRPr>
+          </a:p>
+        </p:txBody>
+      </p:sp>
+      <p:sp>
+        <p:nvSpPr>
+          <p:cNvPr id="9" name="TextBox 8">
+            <a:extLst>
+              <a:ext uri="{FF2B5EF4-FFF2-40B4-BE49-F238E27FC236}">
+                <a16:creationId xmlns:a16="http://schemas.microsoft.com/office/drawing/2014/main" id="{6CB5E78B-908A-4472-1A73-4474165536F8}"/>
+              </a:ext>
+            </a:extLst>
+          </p:cNvPr>
+          <p:cNvSpPr txBox="1"/>
+          <p:nvPr/>
+        </p:nvSpPr>
+        <p:spPr>
+          <a:xfrm>
+            <a:off x="2141129" y="3149322"/>
+            <a:ext cx="1294049" cy="553998"/>
+          </a:xfrm>
+          <a:prstGeom prst="rect">
+            <a:avLst/>
+          </a:prstGeom>
+          <a:noFill/>
+        </p:spPr>
+        <p:txBody>
+          <a:bodyPr wrap="square">
+            <a:spAutoFit/>
+          </a:bodyPr>
+          <a:lstStyle/>
+          <a:p>
+            <a:pPr algn="l" fontAlgn="base"/>
+            <a:r>
+              <a:rPr lang="en-US" sz="3000" b="1" dirty="0">
+                <a:solidFill>
+                  <a:srgbClr val="273239"/>
+                </a:solidFill>
+                <a:latin typeface="Calibri Body"/>
+              </a:rPr>
+              <a:t>Result:</a:t>
+            </a:r>
+            <a:endParaRPr lang="en-US" sz="3000" b="0" dirty="0">
+              <a:solidFill>
+                <a:srgbClr val="273239"/>
+              </a:solidFill>
+              <a:effectLst/>
+              <a:latin typeface="Calibri Body"/>
+            </a:endParaRPr>
           </a:p>
         </p:txBody>
       </p:sp>
@@ -7407,14 +7567,14 @@
           <p:nvPr>
             <p:extLst>
               <p:ext uri="{D42A27DB-BD31-4B8C-83A1-F6EECF244321}">
-                <p14:modId xmlns:p14="http://schemas.microsoft.com/office/powerpoint/2010/main" val="2001850714"/>
+                <p14:modId xmlns:p14="http://schemas.microsoft.com/office/powerpoint/2010/main" val="1074818471"/>
               </p:ext>
             </p:extLst>
           </p:nvPr>
         </p:nvGraphicFramePr>
         <p:xfrm>
-          <a:off x="2032000" y="1867339"/>
-          <a:ext cx="8127999" cy="548640"/>
+          <a:off x="3604904" y="1703568"/>
+          <a:ext cx="7224888" cy="548640"/>
         </p:xfrm>
         <a:graphic>
           <a:graphicData uri="http://schemas.openxmlformats.org/drawingml/2006/table">
@@ -7423,13 +7583,6 @@
                 <a:tableStyleId>{5940675A-B579-460E-94D1-54222C63F5DA}</a:tableStyleId>
               </a:tblPr>
               <a:tblGrid>
-                <a:gridCol w="903111">
-                  <a:extLst>
-                    <a:ext uri="{9D8B030D-6E8A-4147-A177-3AD203B41FA5}">
-                      <a16:colId xmlns:a16="http://schemas.microsoft.com/office/drawing/2014/main" val="1065926120"/>
-                    </a:ext>
-                  </a:extLst>
-                </a:gridCol>
                 <a:gridCol w="903111">
                   <a:extLst>
                     <a:ext uri="{9D8B030D-6E8A-4147-A177-3AD203B41FA5}">
@@ -7495,47 +7648,6 @@
                     <a:p>
                       <a:pPr algn="ctr"/>
                       <a:r>
-                        <a:rPr lang="en-US" sz="3000" b="1" dirty="0"/>
-                        <a:t>List:</a:t>
-                      </a:r>
-                    </a:p>
-                  </a:txBody>
-                  <a:tcPr>
-                    <a:lnL w="12700" cmpd="sng">
-                      <a:noFill/>
-                    </a:lnL>
-                    <a:lnR w="12700" cap="flat" cmpd="sng" algn="ctr">
-                      <a:solidFill>
-                        <a:schemeClr val="tx1"/>
-                      </a:solidFill>
-                      <a:prstDash val="solid"/>
-                      <a:round/>
-                      <a:headEnd type="none" w="med" len="med"/>
-                      <a:tailEnd type="none" w="med" len="med"/>
-                    </a:lnR>
-                    <a:lnT w="12700" cmpd="sng">
-                      <a:noFill/>
-                    </a:lnT>
-                    <a:lnB w="12700" cmpd="sng">
-                      <a:noFill/>
-                    </a:lnB>
-                    <a:lnTlToBr w="12700" cmpd="sng">
-                      <a:noFill/>
-                      <a:prstDash val="solid"/>
-                    </a:lnTlToBr>
-                    <a:lnBlToTr w="12700" cmpd="sng">
-                      <a:noFill/>
-                      <a:prstDash val="solid"/>
-                    </a:lnBlToTr>
-                  </a:tcPr>
-                </a:tc>
-                <a:tc>
-                  <a:txBody>
-                    <a:bodyPr/>
-                    <a:lstStyle/>
-                    <a:p>
-                      <a:pPr algn="ctr"/>
-                      <a:r>
                         <a:rPr lang="en-US" sz="3000" b="1" u="sng" dirty="0">
                           <a:solidFill>
                             <a:srgbClr val="00B050"/>
@@ -7783,14 +7895,14 @@
           <p:nvPr>
             <p:extLst>
               <p:ext uri="{D42A27DB-BD31-4B8C-83A1-F6EECF244321}">
-                <p14:modId xmlns:p14="http://schemas.microsoft.com/office/powerpoint/2010/main" val="2893264624"/>
+                <p14:modId xmlns:p14="http://schemas.microsoft.com/office/powerpoint/2010/main" val="1311296458"/>
               </p:ext>
             </p:extLst>
           </p:nvPr>
         </p:nvGraphicFramePr>
         <p:xfrm>
-          <a:off x="2032000" y="3782950"/>
-          <a:ext cx="8127999" cy="548640"/>
+          <a:off x="3604904" y="3534539"/>
+          <a:ext cx="7224888" cy="548640"/>
         </p:xfrm>
         <a:graphic>
           <a:graphicData uri="http://schemas.openxmlformats.org/drawingml/2006/table">
@@ -7799,13 +7911,6 @@
                 <a:tableStyleId>{5940675A-B579-460E-94D1-54222C63F5DA}</a:tableStyleId>
               </a:tblPr>
               <a:tblGrid>
-                <a:gridCol w="903111">
-                  <a:extLst>
-                    <a:ext uri="{9D8B030D-6E8A-4147-A177-3AD203B41FA5}">
-                      <a16:colId xmlns:a16="http://schemas.microsoft.com/office/drawing/2014/main" val="1065926120"/>
-                    </a:ext>
-                  </a:extLst>
-                </a:gridCol>
                 <a:gridCol w="903111">
                   <a:extLst>
                     <a:ext uri="{9D8B030D-6E8A-4147-A177-3AD203B41FA5}">
@@ -7871,49 +7976,16 @@
                     <a:p>
                       <a:pPr algn="ctr"/>
                       <a:r>
+                        <a:rPr lang="en-US" sz="3000" b="1" u="sng" dirty="0">
+                          <a:solidFill>
+                            <a:srgbClr val="00B050"/>
+                          </a:solidFill>
+                        </a:rPr>
+                        <a:t>0</a:t>
+                      </a:r>
+                      <a:r>
                         <a:rPr lang="en-US" sz="3000" b="1" dirty="0"/>
-                        <a:t>List:</a:t>
-                      </a:r>
-                    </a:p>
-                  </a:txBody>
-                  <a:tcPr>
-                    <a:lnL w="12700" cmpd="sng">
-                      <a:noFill/>
-                    </a:lnL>
-                    <a:lnR w="12700" cap="flat" cmpd="sng" algn="ctr">
-                      <a:solidFill>
-                        <a:schemeClr val="tx1"/>
-                      </a:solidFill>
-                      <a:prstDash val="solid"/>
-                      <a:round/>
-                      <a:headEnd type="none" w="med" len="med"/>
-                      <a:tailEnd type="none" w="med" len="med"/>
-                    </a:lnR>
-                    <a:lnT w="12700" cmpd="sng">
-                      <a:noFill/>
-                    </a:lnT>
-                    <a:lnB w="12700" cmpd="sng">
-                      <a:noFill/>
-                    </a:lnB>
-                    <a:lnTlToBr w="12700" cmpd="sng">
-                      <a:noFill/>
-                      <a:prstDash val="solid"/>
-                    </a:lnTlToBr>
-                    <a:lnBlToTr w="12700" cmpd="sng">
-                      <a:noFill/>
-                      <a:prstDash val="solid"/>
-                    </a:lnBlToTr>
-                  </a:tcPr>
-                </a:tc>
-                <a:tc>
-                  <a:txBody>
-                    <a:bodyPr/>
-                    <a:lstStyle/>
-                    <a:p>
-                      <a:pPr algn="ctr"/>
-                      <a:r>
-                        <a:rPr lang="en-US" sz="3000" b="1" dirty="0"/>
-                        <a:t>002</a:t>
+                        <a:t>02</a:t>
                       </a:r>
                     </a:p>
                   </a:txBody>
@@ -7936,8 +8008,16 @@
                     <a:p>
                       <a:pPr algn="ctr"/>
                       <a:r>
+                        <a:rPr lang="en-US" sz="3000" b="1" u="sng" dirty="0">
+                          <a:solidFill>
+                            <a:srgbClr val="00B050"/>
+                          </a:solidFill>
+                        </a:rPr>
+                        <a:t>0</a:t>
+                      </a:r>
+                      <a:r>
                         <a:rPr lang="en-US" sz="3000" b="1" dirty="0"/>
-                        <a:t>024</a:t>
+                        <a:t>24</a:t>
                       </a:r>
                     </a:p>
                   </a:txBody>
@@ -7950,8 +8030,16 @@
                     <a:p>
                       <a:pPr algn="ctr"/>
                       <a:r>
+                        <a:rPr lang="en-US" sz="3000" b="1" u="sng" dirty="0">
+                          <a:solidFill>
+                            <a:srgbClr val="00B050"/>
+                          </a:solidFill>
+                        </a:rPr>
+                        <a:t>0</a:t>
+                      </a:r>
+                      <a:r>
                         <a:rPr lang="en-US" sz="3000" b="1" dirty="0"/>
-                        <a:t>045</a:t>
+                        <a:t>45</a:t>
                       </a:r>
                     </a:p>
                   </a:txBody>
@@ -7964,8 +8052,16 @@
                     <a:p>
                       <a:pPr algn="ctr"/>
                       <a:r>
+                        <a:rPr lang="en-US" sz="3000" b="1" u="sng" dirty="0">
+                          <a:solidFill>
+                            <a:srgbClr val="00B050"/>
+                          </a:solidFill>
+                        </a:rPr>
+                        <a:t>0</a:t>
+                      </a:r>
+                      <a:r>
                         <a:rPr lang="en-US" sz="3000" b="1" dirty="0"/>
-                        <a:t>066</a:t>
+                        <a:t>66</a:t>
                       </a:r>
                     </a:p>
                   </a:txBody>
@@ -7978,8 +8074,16 @@
                     <a:p>
                       <a:pPr algn="ctr"/>
                       <a:r>
+                        <a:rPr lang="en-US" sz="3000" b="1" u="sng" dirty="0">
+                          <a:solidFill>
+                            <a:srgbClr val="00B050"/>
+                          </a:solidFill>
+                        </a:rPr>
+                        <a:t>0</a:t>
+                      </a:r>
+                      <a:r>
                         <a:rPr lang="en-US" sz="3000" b="1" dirty="0"/>
-                        <a:t>075</a:t>
+                        <a:t>75</a:t>
                       </a:r>
                     </a:p>
                   </a:txBody>
@@ -7992,8 +8096,16 @@
                     <a:p>
                       <a:pPr algn="ctr"/>
                       <a:r>
+                        <a:rPr lang="en-US" sz="3000" b="1" u="sng" dirty="0">
+                          <a:solidFill>
+                            <a:srgbClr val="00B050"/>
+                          </a:solidFill>
+                        </a:rPr>
+                        <a:t>0</a:t>
+                      </a:r>
+                      <a:r>
                         <a:rPr lang="en-US" sz="3000" b="1" dirty="0"/>
-                        <a:t>090</a:t>
+                        <a:t>90</a:t>
                       </a:r>
                     </a:p>
                   </a:txBody>
@@ -8006,8 +8118,16 @@
                     <a:p>
                       <a:pPr algn="ctr"/>
                       <a:r>
+                        <a:rPr lang="en-US" sz="3000" b="1" u="sng" dirty="0">
+                          <a:solidFill>
+                            <a:srgbClr val="00B050"/>
+                          </a:solidFill>
+                        </a:rPr>
+                        <a:t>1</a:t>
+                      </a:r>
+                      <a:r>
                         <a:rPr lang="en-US" sz="3000" b="1" dirty="0"/>
-                        <a:t>170</a:t>
+                        <a:t>70</a:t>
                       </a:r>
                     </a:p>
                   </a:txBody>
@@ -8020,8 +8140,16 @@
                     <a:p>
                       <a:pPr algn="ctr"/>
                       <a:r>
+                        <a:rPr lang="en-US" sz="3000" b="1" u="sng" dirty="0">
+                          <a:solidFill>
+                            <a:srgbClr val="00B050"/>
+                          </a:solidFill>
+                        </a:rPr>
+                        <a:t>8</a:t>
+                      </a:r>
+                      <a:r>
                         <a:rPr lang="en-US" sz="3000" b="1" dirty="0"/>
-                        <a:t>802</a:t>
+                        <a:t>02</a:t>
                       </a:r>
                     </a:p>
                   </a:txBody>
@@ -8134,6 +8262,102 @@
               </a:rPr>
               <a:t>.</a:t>
             </a:r>
+          </a:p>
+        </p:txBody>
+      </p:sp>
+      <p:sp>
+        <p:nvSpPr>
+          <p:cNvPr id="4" name="TextBox 3">
+            <a:extLst>
+              <a:ext uri="{FF2B5EF4-FFF2-40B4-BE49-F238E27FC236}">
+                <a16:creationId xmlns:a16="http://schemas.microsoft.com/office/drawing/2014/main" id="{70528902-E495-9D71-A8C8-284641526D3B}"/>
+              </a:ext>
+            </a:extLst>
+          </p:cNvPr>
+          <p:cNvSpPr txBox="1"/>
+          <p:nvPr/>
+        </p:nvSpPr>
+        <p:spPr>
+          <a:xfrm>
+            <a:off x="262902" y="1700889"/>
+            <a:ext cx="3234060" cy="553998"/>
+          </a:xfrm>
+          <a:prstGeom prst="rect">
+            <a:avLst/>
+          </a:prstGeom>
+          <a:noFill/>
+        </p:spPr>
+        <p:txBody>
+          <a:bodyPr wrap="square">
+            <a:spAutoFit/>
+          </a:bodyPr>
+          <a:lstStyle/>
+          <a:p>
+            <a:pPr algn="l" fontAlgn="base"/>
+            <a:r>
+              <a:rPr lang="en-US" sz="3000" b="1" dirty="0">
+                <a:solidFill>
+                  <a:srgbClr val="273239"/>
+                </a:solidFill>
+                <a:latin typeface="Calibri Body"/>
+              </a:rPr>
+              <a:t>Result from Step 2:</a:t>
+            </a:r>
+            <a:endParaRPr lang="en-US" sz="3000" b="0" dirty="0">
+              <a:solidFill>
+                <a:srgbClr val="273239"/>
+              </a:solidFill>
+              <a:effectLst/>
+              <a:latin typeface="Calibri Body"/>
+            </a:endParaRPr>
+          </a:p>
+        </p:txBody>
+      </p:sp>
+      <p:sp>
+        <p:nvSpPr>
+          <p:cNvPr id="7" name="TextBox 6">
+            <a:extLst>
+              <a:ext uri="{FF2B5EF4-FFF2-40B4-BE49-F238E27FC236}">
+                <a16:creationId xmlns:a16="http://schemas.microsoft.com/office/drawing/2014/main" id="{54E45895-C795-CF54-364F-DECE1C8388A8}"/>
+              </a:ext>
+            </a:extLst>
+          </p:cNvPr>
+          <p:cNvSpPr txBox="1"/>
+          <p:nvPr/>
+        </p:nvSpPr>
+        <p:spPr>
+          <a:xfrm>
+            <a:off x="1189658" y="3531860"/>
+            <a:ext cx="2134309" cy="553998"/>
+          </a:xfrm>
+          <a:prstGeom prst="rect">
+            <a:avLst/>
+          </a:prstGeom>
+          <a:noFill/>
+        </p:spPr>
+        <p:txBody>
+          <a:bodyPr wrap="square">
+            <a:spAutoFit/>
+          </a:bodyPr>
+          <a:lstStyle/>
+          <a:p>
+            <a:pPr algn="l" fontAlgn="base"/>
+            <a:r>
+              <a:rPr lang="en-US" sz="3000" b="1" dirty="0">
+                <a:solidFill>
+                  <a:srgbClr val="273239"/>
+                </a:solidFill>
+                <a:latin typeface="Calibri Body"/>
+              </a:rPr>
+              <a:t>Final Result:</a:t>
+            </a:r>
+            <a:endParaRPr lang="en-US" sz="3000" b="0" dirty="0">
+              <a:solidFill>
+                <a:srgbClr val="273239"/>
+              </a:solidFill>
+              <a:effectLst/>
+              <a:latin typeface="Calibri Body"/>
+            </a:endParaRPr>
           </a:p>
         </p:txBody>
       </p:sp>
@@ -8741,9 +8965,12 @@
 </file>
 
 <file path=customXml/item1.xml><?xml version="1.0" encoding="utf-8"?>
-<p:properties xmlns:p="http://schemas.microsoft.com/office/2006/metadata/properties" xmlns:xsi="http://www.w3.org/2001/XMLSchema-instance" xmlns:pc="http://schemas.microsoft.com/office/infopath/2007/PartnerControls">
-  <documentManagement/>
-</p:properties>
+<?mso-contentType ?>
+<FormTemplates xmlns="http://schemas.microsoft.com/sharepoint/v3/contenttype/forms">
+  <Display>DocumentLibraryForm</Display>
+  <Edit>DocumentLibraryForm</Edit>
+  <New>DocumentLibraryForm</New>
+</FormTemplates>
 </file>
 
 <file path=customXml/item2.xml><?xml version="1.0" encoding="utf-8"?>
@@ -8879,19 +9106,15 @@
 </file>
 
 <file path=customXml/item3.xml><?xml version="1.0" encoding="utf-8"?>
-<?mso-contentType ?>
-<FormTemplates xmlns="http://schemas.microsoft.com/sharepoint/v3/contenttype/forms">
-  <Display>DocumentLibraryForm</Display>
-  <Edit>DocumentLibraryForm</Edit>
-  <New>DocumentLibraryForm</New>
-</FormTemplates>
+<p:properties xmlns:p="http://schemas.microsoft.com/office/2006/metadata/properties" xmlns:xsi="http://www.w3.org/2001/XMLSchema-instance" xmlns:pc="http://schemas.microsoft.com/office/infopath/2007/PartnerControls">
+  <documentManagement/>
+</p:properties>
 </file>
 
 <file path=customXml/itemProps1.xml><?xml version="1.0" encoding="utf-8"?>
-<ds:datastoreItem xmlns:ds="http://schemas.openxmlformats.org/officeDocument/2006/customXml" ds:itemID="{EA3362E2-FA54-4262-AE94-2FA98FF8142D}">
+<ds:datastoreItem xmlns:ds="http://schemas.openxmlformats.org/officeDocument/2006/customXml" ds:itemID="{651370AF-26B9-4AFA-BA9D-5D4A7E1A6722}">
   <ds:schemaRefs>
-    <ds:schemaRef ds:uri="http://schemas.microsoft.com/office/2006/metadata/properties"/>
-    <ds:schemaRef ds:uri="http://schemas.microsoft.com/office/infopath/2007/PartnerControls"/>
+    <ds:schemaRef ds:uri="http://schemas.microsoft.com/sharepoint/v3/contenttype/forms"/>
   </ds:schemaRefs>
 </ds:datastoreItem>
 </file>
@@ -8915,9 +9138,10 @@
 </file>
 
 <file path=customXml/itemProps3.xml><?xml version="1.0" encoding="utf-8"?>
-<ds:datastoreItem xmlns:ds="http://schemas.openxmlformats.org/officeDocument/2006/customXml" ds:itemID="{651370AF-26B9-4AFA-BA9D-5D4A7E1A6722}">
+<ds:datastoreItem xmlns:ds="http://schemas.openxmlformats.org/officeDocument/2006/customXml" ds:itemID="{EA3362E2-FA54-4262-AE94-2FA98FF8142D}">
   <ds:schemaRefs>
-    <ds:schemaRef ds:uri="http://schemas.microsoft.com/sharepoint/v3/contenttype/forms"/>
+    <ds:schemaRef ds:uri="http://schemas.microsoft.com/office/2006/metadata/properties"/>
+    <ds:schemaRef ds:uri="http://schemas.microsoft.com/office/infopath/2007/PartnerControls"/>
   </ds:schemaRefs>
 </ds:datastoreItem>
 </file>